--- a/1-PPT/Laravel Course  layout.pptx
+++ b/1-PPT/Laravel Course  layout.pptx
@@ -194,7 +194,7 @@
             <a:fld id="{EA38CB6D-63C9-464B-889E-D8FE438905A2}" type="datetimeFigureOut">
               <a:rPr lang="ar-EG" smtClean="0"/>
               <a:pPr/>
-              <a:t>18/09/1440</a:t>
+              <a:t>12/05/1441</a:t>
             </a:fld>
             <a:endParaRPr lang="ar-EG"/>
           </a:p>
@@ -642,7 +642,7 @@
             <a:fld id="{1D8BD707-D9CF-40AE-B4C6-C98DA3205C09}" type="datetimeFigureOut">
               <a:rPr lang="en-US" smtClean="0"/>
               <a:pPr/>
-              <a:t>5/22/2019</a:t>
+              <a:t>1/7/2020</a:t>
             </a:fld>
             <a:endParaRPr lang="en-US"/>
           </a:p>
@@ -809,7 +809,7 @@
             <a:fld id="{1D8BD707-D9CF-40AE-B4C6-C98DA3205C09}" type="datetimeFigureOut">
               <a:rPr lang="en-US" smtClean="0"/>
               <a:pPr/>
-              <a:t>5/22/2019</a:t>
+              <a:t>1/7/2020</a:t>
             </a:fld>
             <a:endParaRPr lang="en-US"/>
           </a:p>
@@ -986,7 +986,7 @@
             <a:fld id="{1D8BD707-D9CF-40AE-B4C6-C98DA3205C09}" type="datetimeFigureOut">
               <a:rPr lang="en-US" smtClean="0"/>
               <a:pPr/>
-              <a:t>5/22/2019</a:t>
+              <a:t>1/7/2020</a:t>
             </a:fld>
             <a:endParaRPr lang="en-US"/>
           </a:p>
@@ -1153,7 +1153,7 @@
             <a:fld id="{1D8BD707-D9CF-40AE-B4C6-C98DA3205C09}" type="datetimeFigureOut">
               <a:rPr lang="en-US" smtClean="0"/>
               <a:pPr/>
-              <a:t>5/22/2019</a:t>
+              <a:t>1/7/2020</a:t>
             </a:fld>
             <a:endParaRPr lang="en-US"/>
           </a:p>
@@ -1396,7 +1396,7 @@
             <a:fld id="{1D8BD707-D9CF-40AE-B4C6-C98DA3205C09}" type="datetimeFigureOut">
               <a:rPr lang="en-US" smtClean="0"/>
               <a:pPr/>
-              <a:t>5/22/2019</a:t>
+              <a:t>1/7/2020</a:t>
             </a:fld>
             <a:endParaRPr lang="en-US"/>
           </a:p>
@@ -1681,7 +1681,7 @@
             <a:fld id="{1D8BD707-D9CF-40AE-B4C6-C98DA3205C09}" type="datetimeFigureOut">
               <a:rPr lang="en-US" smtClean="0"/>
               <a:pPr/>
-              <a:t>5/22/2019</a:t>
+              <a:t>1/7/2020</a:t>
             </a:fld>
             <a:endParaRPr lang="en-US"/>
           </a:p>
@@ -2100,7 +2100,7 @@
             <a:fld id="{1D8BD707-D9CF-40AE-B4C6-C98DA3205C09}" type="datetimeFigureOut">
               <a:rPr lang="en-US" smtClean="0"/>
               <a:pPr/>
-              <a:t>5/22/2019</a:t>
+              <a:t>1/7/2020</a:t>
             </a:fld>
             <a:endParaRPr lang="en-US"/>
           </a:p>
@@ -2215,7 +2215,7 @@
             <a:fld id="{1D8BD707-D9CF-40AE-B4C6-C98DA3205C09}" type="datetimeFigureOut">
               <a:rPr lang="en-US" smtClean="0"/>
               <a:pPr/>
-              <a:t>5/22/2019</a:t>
+              <a:t>1/7/2020</a:t>
             </a:fld>
             <a:endParaRPr lang="en-US"/>
           </a:p>
@@ -2307,7 +2307,7 @@
             <a:fld id="{1D8BD707-D9CF-40AE-B4C6-C98DA3205C09}" type="datetimeFigureOut">
               <a:rPr lang="en-US" smtClean="0"/>
               <a:pPr/>
-              <a:t>5/22/2019</a:t>
+              <a:t>1/7/2020</a:t>
             </a:fld>
             <a:endParaRPr lang="en-US"/>
           </a:p>
@@ -2581,7 +2581,7 @@
             <a:fld id="{1D8BD707-D9CF-40AE-B4C6-C98DA3205C09}" type="datetimeFigureOut">
               <a:rPr lang="en-US" smtClean="0"/>
               <a:pPr/>
-              <a:t>5/22/2019</a:t>
+              <a:t>1/7/2020</a:t>
             </a:fld>
             <a:endParaRPr lang="en-US"/>
           </a:p>
@@ -2831,7 +2831,7 @@
             <a:fld id="{1D8BD707-D9CF-40AE-B4C6-C98DA3205C09}" type="datetimeFigureOut">
               <a:rPr lang="en-US" smtClean="0"/>
               <a:pPr/>
-              <a:t>5/22/2019</a:t>
+              <a:t>1/7/2020</a:t>
             </a:fld>
             <a:endParaRPr lang="en-US"/>
           </a:p>
@@ -3041,7 +3041,7 @@
             <a:fld id="{1D8BD707-D9CF-40AE-B4C6-C98DA3205C09}" type="datetimeFigureOut">
               <a:rPr lang="en-US" smtClean="0"/>
               <a:pPr/>
-              <a:t>5/22/2019</a:t>
+              <a:t>1/7/2020</a:t>
             </a:fld>
             <a:endParaRPr lang="en-US"/>
           </a:p>
@@ -3535,7 +3535,11 @@
               <a:buFont typeface="+mj-lt"/>
               <a:buAutoNum type="arabicPeriod"/>
             </a:pPr>
-            <a:endParaRPr lang="ar-EG" sz="2000" dirty="0" smtClean="0"/>
+            <a:r>
+              <a:rPr lang="en-US" sz="2000" dirty="0" smtClean="0"/>
+              <a:t>Introduction</a:t>
+            </a:r>
+            <a:endParaRPr lang="en-US" sz="2000" dirty="0" smtClean="0"/>
           </a:p>
           <a:p>
             <a:pPr>
@@ -3543,9 +3547,12 @@
               <a:buAutoNum type="arabicPeriod"/>
             </a:pPr>
             <a:r>
-              <a:rPr lang="en-US" sz="2000" dirty="0" smtClean="0"/>
-              <a:t>Introduction</a:t>
-            </a:r>
+              <a:rPr lang="en-US" sz="2000" dirty="0" smtClean="0">
+                <a:hlinkClick r:id="rId2"/>
+              </a:rPr>
+              <a:t>Route</a:t>
+            </a:r>
+            <a:endParaRPr lang="en-US" sz="2000" dirty="0" smtClean="0"/>
           </a:p>
           <a:p>
             <a:pPr>
@@ -3553,12 +3560,29 @@
               <a:buAutoNum type="arabicPeriod"/>
             </a:pPr>
             <a:r>
+              <a:rPr lang="en-US" sz="2000" dirty="0" smtClean="0"/>
+              <a:t> </a:t>
+            </a:r>
+            <a:r>
               <a:rPr lang="en-US" sz="2000" dirty="0" smtClean="0">
-                <a:hlinkClick r:id="rId2"/>
+                <a:hlinkClick r:id="rId3"/>
               </a:rPr>
-              <a:t>Route</a:t>
-            </a:r>
-            <a:endParaRPr lang="en-US" sz="2000" dirty="0" smtClean="0"/>
+              <a:t>View</a:t>
+            </a:r>
+            <a:r>
+              <a:rPr lang="en-US" sz="2000" dirty="0" smtClean="0"/>
+              <a:t> ,</a:t>
+            </a:r>
+            <a:r>
+              <a:rPr lang="en-US" sz="2000" dirty="0" smtClean="0">
+                <a:hlinkClick r:id="rId4"/>
+              </a:rPr>
+              <a:t>Controller</a:t>
+            </a:r>
+            <a:r>
+              <a:rPr lang="en-US" sz="2000" dirty="0" smtClean="0"/>
+              <a:t> , Layouts </a:t>
+            </a:r>
           </a:p>
           <a:p>
             <a:pPr>
@@ -3567,27 +3591,7 @@
             </a:pPr>
             <a:r>
               <a:rPr lang="en-US" sz="2000" dirty="0" smtClean="0"/>
-              <a:t> </a:t>
-            </a:r>
-            <a:r>
-              <a:rPr lang="en-US" sz="2000" dirty="0" smtClean="0">
-                <a:hlinkClick r:id="rId3"/>
-              </a:rPr>
-              <a:t>View</a:t>
-            </a:r>
-            <a:r>
-              <a:rPr lang="en-US" sz="2000" dirty="0" smtClean="0"/>
-              <a:t> ,</a:t>
-            </a:r>
-            <a:r>
-              <a:rPr lang="en-US" sz="2000" dirty="0" smtClean="0">
-                <a:hlinkClick r:id="rId4"/>
-              </a:rPr>
-              <a:t>Controller</a:t>
-            </a:r>
-            <a:r>
-              <a:rPr lang="en-US" sz="2000" dirty="0" smtClean="0"/>
-              <a:t> , Layouts </a:t>
+              <a:t>Request , Validation </a:t>
             </a:r>
           </a:p>
           <a:p>
@@ -3596,8 +3600,18 @@
               <a:buAutoNum type="arabicPeriod"/>
             </a:pPr>
             <a:r>
+              <a:rPr lang="en-US" sz="2000" b="1" dirty="0" smtClean="0">
+                <a:hlinkClick r:id="rId5"/>
+              </a:rPr>
+              <a:t>Authentication </a:t>
+            </a:r>
+            <a:r>
+              <a:rPr lang="en-US" sz="2000" b="1" dirty="0" smtClean="0"/>
+              <a:t>,</a:t>
+            </a:r>
+            <a:r>
               <a:rPr lang="en-US" sz="2000" dirty="0" smtClean="0"/>
-              <a:t>Request , Validation </a:t>
+              <a:t>DB Class (CRUD)</a:t>
             </a:r>
           </a:p>
           <a:p>
@@ -3606,18 +3620,8 @@
               <a:buAutoNum type="arabicPeriod"/>
             </a:pPr>
             <a:r>
-              <a:rPr lang="en-US" sz="2000" b="1" dirty="0" smtClean="0">
-                <a:hlinkClick r:id="rId5"/>
-              </a:rPr>
-              <a:t>Authentication </a:t>
-            </a:r>
-            <a:r>
-              <a:rPr lang="en-US" sz="2000" b="1" dirty="0" smtClean="0"/>
-              <a:t>,</a:t>
-            </a:r>
-            <a:r>
               <a:rPr lang="en-US" sz="2000" dirty="0" smtClean="0"/>
-              <a:t>DB Class (CRUD)</a:t>
+              <a:t>Migration </a:t>
             </a:r>
           </a:p>
           <a:p>
@@ -3627,7 +3631,7 @@
             </a:pPr>
             <a:r>
               <a:rPr lang="en-US" sz="2000" dirty="0" smtClean="0"/>
-              <a:t>Migration </a:t>
+              <a:t>Model (CRUD)</a:t>
             </a:r>
           </a:p>
           <a:p>
@@ -3637,11 +3641,7 @@
             </a:pPr>
             <a:r>
               <a:rPr lang="en-US" sz="2000" dirty="0" smtClean="0"/>
-              <a:t>Model (CRUD</a:t>
-            </a:r>
-            <a:r>
-              <a:rPr lang="en-US" sz="2000" dirty="0" smtClean="0"/>
-              <a:t>)</a:t>
+              <a:t>Seed , Factory</a:t>
             </a:r>
           </a:p>
           <a:p>
@@ -3661,11 +3661,7 @@
             </a:pPr>
             <a:r>
               <a:rPr lang="en-US" sz="2000" dirty="0" smtClean="0"/>
-              <a:t>Session </a:t>
-            </a:r>
-            <a:r>
-              <a:rPr lang="en-US" sz="2000" dirty="0" smtClean="0"/>
-              <a:t>&amp; Cookies</a:t>
+              <a:t>Session &amp; Cookies</a:t>
             </a:r>
           </a:p>
           <a:p>
